--- a/Assignment1.pptx
+++ b/Assignment1.pptx
@@ -152,22 +152,6 @@
           <pc:docMk/>
           <pc:sldMk cId="1759068258" sldId="318"/>
         </pc:sldMkLst>
-        <pc:graphicFrameChg chg="modGraphic">
-          <ac:chgData name="Kitty Wong" userId="934a16c2-3b82-4a04-8cf4-72a5c39a78f6" providerId="ADAL" clId="{8A0F7D14-E769-40A5-A2DF-F4A5F1842DE4}" dt="2023-11-13T07:23:40.159" v="184" actId="20577"/>
-          <ac:graphicFrameMkLst>
-            <pc:docMk/>
-            <pc:sldMk cId="1759068258" sldId="318"/>
-            <ac:graphicFrameMk id="4" creationId="{1055B2E6-C5CC-4055-89E1-99348639EE38}"/>
-          </ac:graphicFrameMkLst>
-        </pc:graphicFrameChg>
-        <pc:graphicFrameChg chg="modGraphic">
-          <ac:chgData name="Kitty Wong" userId="934a16c2-3b82-4a04-8cf4-72a5c39a78f6" providerId="ADAL" clId="{8A0F7D14-E769-40A5-A2DF-F4A5F1842DE4}" dt="2023-11-13T07:23:49.222" v="190" actId="20577"/>
-          <ac:graphicFrameMkLst>
-            <pc:docMk/>
-            <pc:sldMk cId="1759068258" sldId="318"/>
-            <ac:graphicFrameMk id="5" creationId="{F0CA7AF7-675A-4A6F-A8C2-2BE59EE675FA}"/>
-          </ac:graphicFrameMkLst>
-        </pc:graphicFrameChg>
       </pc:sldChg>
     </pc:docChg>
   </pc:docChgLst>
@@ -184,14 +168,6 @@
           <pc:docMk/>
           <pc:sldMk cId="712547841" sldId="258"/>
         </pc:sldMkLst>
-        <pc:spChg chg="mod">
-          <ac:chgData name="Kitty Wong" userId="934a16c2-3b82-4a04-8cf4-72a5c39a78f6" providerId="ADAL" clId="{C5D3B019-23FF-4A09-A31E-792F52382024}" dt="2024-06-07T07:20:31.305" v="6" actId="20577"/>
-          <ac:spMkLst>
-            <pc:docMk/>
-            <pc:sldMk cId="712547841" sldId="258"/>
-            <ac:spMk id="2" creationId="{00000000-0000-0000-0000-000000000000}"/>
-          </ac:spMkLst>
-        </pc:spChg>
       </pc:sldChg>
       <pc:sldChg chg="del">
         <pc:chgData name="Kitty Wong" userId="934a16c2-3b82-4a04-8cf4-72a5c39a78f6" providerId="ADAL" clId="{C5D3B019-23FF-4A09-A31E-792F52382024}" dt="2024-06-07T07:20:43.064" v="7" actId="47"/>
@@ -238,6 +214,30 @@
     </pc:docChg>
   </pc:docChgLst>
   <pc:docChgLst>
+    <pc:chgData name="Pedro Henrique Gomes de Toledo" userId="2306388c4074fa37" providerId="LiveId" clId="{6B58264B-1CF5-4BBB-AE0D-30DA22AE227B}"/>
+    <pc:docChg chg="undo custSel modSld">
+      <pc:chgData name="Pedro Henrique Gomes de Toledo" userId="2306388c4074fa37" providerId="LiveId" clId="{6B58264B-1CF5-4BBB-AE0D-30DA22AE227B}" dt="2025-06-09T16:48:34.182" v="3" actId="14734"/>
+      <pc:docMkLst>
+        <pc:docMk/>
+      </pc:docMkLst>
+      <pc:sldChg chg="modSp mod">
+        <pc:chgData name="Pedro Henrique Gomes de Toledo" userId="2306388c4074fa37" providerId="LiveId" clId="{6B58264B-1CF5-4BBB-AE0D-30DA22AE227B}" dt="2025-06-09T16:48:34.182" v="3" actId="14734"/>
+        <pc:sldMkLst>
+          <pc:docMk/>
+          <pc:sldMk cId="1759068258" sldId="318"/>
+        </pc:sldMkLst>
+        <pc:graphicFrameChg chg="modGraphic">
+          <ac:chgData name="Pedro Henrique Gomes de Toledo" userId="2306388c4074fa37" providerId="LiveId" clId="{6B58264B-1CF5-4BBB-AE0D-30DA22AE227B}" dt="2025-06-09T16:48:34.182" v="3" actId="14734"/>
+          <ac:graphicFrameMkLst>
+            <pc:docMk/>
+            <pc:sldMk cId="1759068258" sldId="318"/>
+            <ac:graphicFrameMk id="5" creationId="{F0CA7AF7-675A-4A6F-A8C2-2BE59EE675FA}"/>
+          </ac:graphicFrameMkLst>
+        </pc:graphicFrameChg>
+      </pc:sldChg>
+    </pc:docChg>
+  </pc:docChgLst>
+  <pc:docChgLst>
     <pc:chgData name="Kitty Wong" userId="934a16c2-3b82-4a04-8cf4-72a5c39a78f6" providerId="ADAL" clId="{E0749719-816A-431D-8507-5D0936A455AF}"/>
     <pc:docChg chg="undo custSel modSld">
       <pc:chgData name="Kitty Wong" userId="934a16c2-3b82-4a04-8cf4-72a5c39a78f6" providerId="ADAL" clId="{E0749719-816A-431D-8507-5D0936A455AF}" dt="2023-09-24T06:22:13.323" v="304" actId="20577"/>
@@ -250,14 +250,6 @@
           <pc:docMk/>
           <pc:sldMk cId="712547841" sldId="258"/>
         </pc:sldMkLst>
-        <pc:spChg chg="mod">
-          <ac:chgData name="Kitty Wong" userId="934a16c2-3b82-4a04-8cf4-72a5c39a78f6" providerId="ADAL" clId="{E0749719-816A-431D-8507-5D0936A455AF}" dt="2023-08-26T00:42:57.610" v="0"/>
-          <ac:spMkLst>
-            <pc:docMk/>
-            <pc:sldMk cId="712547841" sldId="258"/>
-            <ac:spMk id="3" creationId="{00000000-0000-0000-0000-000000000000}"/>
-          </ac:spMkLst>
-        </pc:spChg>
       </pc:sldChg>
       <pc:sldChg chg="modNotesTx">
         <pc:chgData name="Kitty Wong" userId="934a16c2-3b82-4a04-8cf4-72a5c39a78f6" providerId="ADAL" clId="{E0749719-816A-431D-8507-5D0936A455AF}" dt="2023-09-17T10:22:08.583" v="164" actId="20577"/>
@@ -293,14 +285,6 @@
           <pc:docMk/>
           <pc:sldMk cId="2899179457" sldId="315"/>
         </pc:sldMkLst>
-        <pc:spChg chg="mod">
-          <ac:chgData name="Kitty Wong" userId="934a16c2-3b82-4a04-8cf4-72a5c39a78f6" providerId="ADAL" clId="{E0749719-816A-431D-8507-5D0936A455AF}" dt="2023-09-14T05:47:10.252" v="30" actId="20577"/>
-          <ac:spMkLst>
-            <pc:docMk/>
-            <pc:sldMk cId="2899179457" sldId="315"/>
-            <ac:spMk id="3" creationId="{79E62DB0-8600-4EB3-902D-095537E470B9}"/>
-          </ac:spMkLst>
-        </pc:spChg>
       </pc:sldChg>
       <pc:sldChg chg="modNotesTx">
         <pc:chgData name="Kitty Wong" userId="934a16c2-3b82-4a04-8cf4-72a5c39a78f6" providerId="ADAL" clId="{E0749719-816A-431D-8507-5D0936A455AF}" dt="2023-09-24T06:22:13.323" v="304" actId="20577"/>
@@ -324,30 +308,6 @@
           <pc:docMk/>
           <pc:sldMk cId="712547841" sldId="258"/>
         </pc:sldMkLst>
-        <pc:spChg chg="mod">
-          <ac:chgData name="Kitty Wong" userId="934a16c2-3b82-4a04-8cf4-72a5c39a78f6" providerId="ADAL" clId="{C320E63A-EF7E-4043-BEA8-CC6E91550F03}" dt="2024-02-01T05:48:16.988" v="51" actId="20577"/>
-          <ac:spMkLst>
-            <pc:docMk/>
-            <pc:sldMk cId="712547841" sldId="258"/>
-            <ac:spMk id="2" creationId="{00000000-0000-0000-0000-000000000000}"/>
-          </ac:spMkLst>
-        </pc:spChg>
-        <pc:spChg chg="mod">
-          <ac:chgData name="Kitty Wong" userId="934a16c2-3b82-4a04-8cf4-72a5c39a78f6" providerId="ADAL" clId="{C320E63A-EF7E-4043-BEA8-CC6E91550F03}" dt="2024-02-01T05:48:22.293" v="63" actId="20577"/>
-          <ac:spMkLst>
-            <pc:docMk/>
-            <pc:sldMk cId="712547841" sldId="258"/>
-            <ac:spMk id="3" creationId="{00000000-0000-0000-0000-000000000000}"/>
-          </ac:spMkLst>
-        </pc:spChg>
-        <pc:spChg chg="mod">
-          <ac:chgData name="Kitty Wong" userId="934a16c2-3b82-4a04-8cf4-72a5c39a78f6" providerId="ADAL" clId="{C320E63A-EF7E-4043-BEA8-CC6E91550F03}" dt="2024-02-01T05:48:26.780" v="65" actId="20577"/>
-          <ac:spMkLst>
-            <pc:docMk/>
-            <pc:sldMk cId="712547841" sldId="258"/>
-            <ac:spMk id="4" creationId="{CE4D4B33-3A5F-4979-822B-8FAADD5E5A7F}"/>
-          </ac:spMkLst>
-        </pc:spChg>
       </pc:sldChg>
       <pc:sldChg chg="add del modNotesTx">
         <pc:chgData name="Kitty Wong" userId="934a16c2-3b82-4a04-8cf4-72a5c39a78f6" providerId="ADAL" clId="{C320E63A-EF7E-4043-BEA8-CC6E91550F03}" dt="2024-02-01T05:49:07.228" v="68" actId="6549"/>
@@ -606,7 +566,7 @@
           <a:p>
             <a:fld id="{8B7C5150-9119-490A-A216-3D2FA22F7FFC}" type="datetimeFigureOut">
               <a:rPr lang="en-CA" smtClean="0"/>
-              <a:t>2024-06-07</a:t>
+              <a:t>2025-06-09</a:t>
             </a:fld>
             <a:endParaRPr lang="en-CA"/>
           </a:p>
@@ -1590,7 +1550,7 @@
           <a:p>
             <a:fld id="{E4A6AB35-C22C-4755-9BC8-96579CB63199}" type="datetime1">
               <a:rPr lang="en-US" smtClean="0"/>
-              <a:t>6/7/2024</a:t>
+              <a:t>6/9/2025</a:t>
             </a:fld>
             <a:endParaRPr lang="en-US" dirty="0"/>
           </a:p>
@@ -1875,7 +1835,7 @@
           <a:p>
             <a:fld id="{3E21CB55-4C39-4DF9-B29B-0DDB979E079F}" type="datetime1">
               <a:rPr lang="en-US" smtClean="0"/>
-              <a:t>6/7/2024</a:t>
+              <a:t>6/9/2025</a:t>
             </a:fld>
             <a:endParaRPr lang="en-US"/>
           </a:p>
@@ -2064,7 +2024,7 @@
           <a:p>
             <a:fld id="{E9DC3DE2-2DBA-41B6-ABDF-9E46BDE3E6CB}" type="datetime1">
               <a:rPr lang="en-US" smtClean="0"/>
-              <a:t>6/7/2024</a:t>
+              <a:t>6/9/2025</a:t>
             </a:fld>
             <a:endParaRPr lang="en-US"/>
           </a:p>
@@ -2596,7 +2556,7 @@
           <a:p>
             <a:fld id="{F0FE8BCE-6DE9-499B-B47E-840C645FA6F5}" type="datetime1">
               <a:rPr lang="en-US" smtClean="0"/>
-              <a:t>6/7/2024</a:t>
+              <a:t>6/9/2025</a:t>
             </a:fld>
             <a:endParaRPr lang="en-US"/>
           </a:p>
@@ -6679,14 +6639,14 @@
           <p:nvPr>
             <p:extLst>
               <p:ext uri="{D42A27DB-BD31-4B8C-83A1-F6EECF244321}">
-                <p14:modId xmlns:p14="http://schemas.microsoft.com/office/powerpoint/2010/main" val="1038625334"/>
+                <p14:modId xmlns:p14="http://schemas.microsoft.com/office/powerpoint/2010/main" val="1945130043"/>
               </p:ext>
             </p:extLst>
           </p:nvPr>
         </p:nvGraphicFramePr>
         <p:xfrm>
           <a:off x="6404610" y="2262342"/>
-          <a:ext cx="2438400" cy="1327468"/>
+          <a:ext cx="2315083" cy="1327468"/>
         </p:xfrm>
         <a:graphic>
           <a:graphicData uri="http://schemas.openxmlformats.org/drawingml/2006/table">
@@ -6695,7 +6655,7 @@
                 <a:tableStyleId>{5C22544A-7EE6-4342-B048-85BDC9FD1C3A}</a:tableStyleId>
               </a:tblPr>
               <a:tblGrid>
-                <a:gridCol w="2438400">
+                <a:gridCol w="2315083">
                   <a:extLst>
                     <a:ext uri="{9D8B030D-6E8A-4147-A177-3AD203B41FA5}">
                       <a16:colId xmlns:a16="http://schemas.microsoft.com/office/drawing/2014/main" val="4073179640"/>
